--- a/File-Management-System.pptx
+++ b/File-Management-System.pptx
@@ -18,6 +18,7 @@
     <p:sldId id="265" r:id="rId12"/>
     <p:sldId id="266" r:id="rId13"/>
     <p:sldId id="267" r:id="rId14"/>
+    <p:sldId id="269" r:id="rId15"/>
   </p:sldIdLst>
   <p:sldSz cx="12192000" cy="6858000"/>
   <p:notesSz cx="6858000" cy="9144000"/>
@@ -118,7 +119,7 @@
   </p:defaultTextStyle>
   <p:extLst>
     <p:ext uri="{EFAFB233-063F-42B5-8137-9DF3F51BA10A}">
-      <p15:sldGuideLst xmlns:p15="http://schemas.microsoft.com/office/powerpoint/2012/main">
+      <p15:sldGuideLst xmlns:p15="http://schemas.microsoft.com/office/powerpoint/2012/main" xmlns="">
         <p15:guide id="1" orient="horz" pos="2160" userDrawn="1">
           <p15:clr>
             <a:srgbClr val="A4A3A4"/>
@@ -360,7 +361,7 @@
             <a:fld id="{5586B75A-687E-405C-8A0B-8D00578BA2C3}" type="datetimeFigureOut">
               <a:rPr lang="en-US" dirty="0"/>
               <a:pPr/>
-              <a:t>12/24/2022</a:t>
+              <a:t>12/25/2022</a:t>
             </a:fld>
             <a:endParaRPr lang="en-US" dirty="0"/>
           </a:p>
@@ -527,7 +528,7 @@
             <a:fld id="{5586B75A-687E-405C-8A0B-8D00578BA2C3}" type="datetimeFigureOut">
               <a:rPr lang="en-US" dirty="0"/>
               <a:pPr/>
-              <a:t>12/24/2022</a:t>
+              <a:t>12/25/2022</a:t>
             </a:fld>
             <a:endParaRPr lang="en-US" dirty="0"/>
           </a:p>
@@ -704,7 +705,7 @@
             <a:fld id="{5586B75A-687E-405C-8A0B-8D00578BA2C3}" type="datetimeFigureOut">
               <a:rPr lang="en-US" dirty="0"/>
               <a:pPr/>
-              <a:t>12/24/2022</a:t>
+              <a:t>12/25/2022</a:t>
             </a:fld>
             <a:endParaRPr lang="en-US" dirty="0"/>
           </a:p>
@@ -871,7 +872,7 @@
             <a:fld id="{5586B75A-687E-405C-8A0B-8D00578BA2C3}" type="datetimeFigureOut">
               <a:rPr lang="en-US" dirty="0"/>
               <a:pPr/>
-              <a:t>12/24/2022</a:t>
+              <a:t>12/25/2022</a:t>
             </a:fld>
             <a:endParaRPr lang="en-US" dirty="0"/>
           </a:p>
@@ -1126,7 +1127,7 @@
             <a:fld id="{5586B75A-687E-405C-8A0B-8D00578BA2C3}" type="datetimeFigureOut">
               <a:rPr lang="en-US" dirty="0"/>
               <a:pPr/>
-              <a:t>12/24/2022</a:t>
+              <a:t>12/25/2022</a:t>
             </a:fld>
             <a:endParaRPr lang="en-US" dirty="0"/>
           </a:p>
@@ -1411,7 +1412,7 @@
             <a:fld id="{5586B75A-687E-405C-8A0B-8D00578BA2C3}" type="datetimeFigureOut">
               <a:rPr lang="en-US" dirty="0"/>
               <a:pPr/>
-              <a:t>12/24/2022</a:t>
+              <a:t>12/25/2022</a:t>
             </a:fld>
             <a:endParaRPr lang="en-US" dirty="0"/>
           </a:p>
@@ -1850,7 +1851,7 @@
             <a:fld id="{5586B75A-687E-405C-8A0B-8D00578BA2C3}" type="datetimeFigureOut">
               <a:rPr lang="en-US" dirty="0"/>
               <a:pPr/>
-              <a:t>12/24/2022</a:t>
+              <a:t>12/25/2022</a:t>
             </a:fld>
             <a:endParaRPr lang="en-US" dirty="0"/>
           </a:p>
@@ -1965,7 +1966,7 @@
             <a:fld id="{5586B75A-687E-405C-8A0B-8D00578BA2C3}" type="datetimeFigureOut">
               <a:rPr lang="en-US" dirty="0"/>
               <a:pPr/>
-              <a:t>12/24/2022</a:t>
+              <a:t>12/25/2022</a:t>
             </a:fld>
             <a:endParaRPr lang="en-US" dirty="0"/>
           </a:p>
@@ -2057,7 +2058,7 @@
             <a:fld id="{5586B75A-687E-405C-8A0B-8D00578BA2C3}" type="datetimeFigureOut">
               <a:rPr lang="en-US" dirty="0"/>
               <a:pPr/>
-              <a:t>12/24/2022</a:t>
+              <a:t>12/25/2022</a:t>
             </a:fld>
             <a:endParaRPr lang="en-US" dirty="0"/>
           </a:p>
@@ -2342,7 +2343,7 @@
             <a:fld id="{5586B75A-687E-405C-8A0B-8D00578BA2C3}" type="datetimeFigureOut">
               <a:rPr lang="en-US" dirty="0"/>
               <a:pPr/>
-              <a:t>12/24/2022</a:t>
+              <a:t>12/25/2022</a:t>
             </a:fld>
             <a:endParaRPr lang="en-US" dirty="0"/>
           </a:p>
@@ -2612,7 +2613,7 @@
             <a:fld id="{5586B75A-687E-405C-8A0B-8D00578BA2C3}" type="datetimeFigureOut">
               <a:rPr lang="en-US" dirty="0"/>
               <a:pPr/>
-              <a:t>12/24/2022</a:t>
+              <a:t>12/25/2022</a:t>
             </a:fld>
             <a:endParaRPr lang="en-US" dirty="0"/>
           </a:p>
@@ -2906,7 +2907,7 @@
             <a:fld id="{5586B75A-687E-405C-8A0B-8D00578BA2C3}" type="datetimeFigureOut">
               <a:rPr lang="en-US" dirty="0"/>
               <a:pPr/>
-              <a:t>12/24/2022</a:t>
+              <a:t>12/25/2022</a:t>
             </a:fld>
             <a:endParaRPr lang="en-US" dirty="0"/>
           </a:p>
@@ -3435,7 +3436,7 @@
     </p:spTree>
     <p:extLst>
       <p:ext uri="{BB962C8B-B14F-4D97-AF65-F5344CB8AC3E}">
-        <p14:creationId xmlns:p14="http://schemas.microsoft.com/office/powerpoint/2010/main" val="2476197188"/>
+        <p14:creationId xmlns:p14="http://schemas.microsoft.com/office/powerpoint/2010/main" xmlns="" val="2476197188"/>
       </p:ext>
     </p:extLst>
   </p:cSld>
@@ -3502,7 +3503,7 @@
           <a:blip r:embed="rId2">
             <a:extLst>
               <a:ext uri="{28A0092B-C50C-407E-A947-70E740481C1C}">
-                <a14:useLocalDpi xmlns:a14="http://schemas.microsoft.com/office/drawing/2010/main" val="0"/>
+                <a14:useLocalDpi xmlns:a14="http://schemas.microsoft.com/office/drawing/2010/main" xmlns="" val="0"/>
               </a:ext>
             </a:extLst>
           </a:blip>
@@ -3520,7 +3521,7 @@
     </p:spTree>
     <p:extLst>
       <p:ext uri="{BB962C8B-B14F-4D97-AF65-F5344CB8AC3E}">
-        <p14:creationId xmlns:p14="http://schemas.microsoft.com/office/powerpoint/2010/main" val="1422457100"/>
+        <p14:creationId xmlns:p14="http://schemas.microsoft.com/office/powerpoint/2010/main" xmlns="" val="1422457100"/>
       </p:ext>
     </p:extLst>
   </p:cSld>
@@ -3587,7 +3588,7 @@
           <a:blip r:embed="rId2">
             <a:extLst>
               <a:ext uri="{28A0092B-C50C-407E-A947-70E740481C1C}">
-                <a14:useLocalDpi xmlns:a14="http://schemas.microsoft.com/office/drawing/2010/main" val="0"/>
+                <a14:useLocalDpi xmlns:a14="http://schemas.microsoft.com/office/drawing/2010/main" xmlns="" val="0"/>
               </a:ext>
             </a:extLst>
           </a:blip>
@@ -3605,7 +3606,7 @@
     </p:spTree>
     <p:extLst>
       <p:ext uri="{BB962C8B-B14F-4D97-AF65-F5344CB8AC3E}">
-        <p14:creationId xmlns:p14="http://schemas.microsoft.com/office/powerpoint/2010/main" val="2818078157"/>
+        <p14:creationId xmlns:p14="http://schemas.microsoft.com/office/powerpoint/2010/main" xmlns="" val="2818078157"/>
       </p:ext>
     </p:extLst>
   </p:cSld>
@@ -3676,7 +3677,7 @@
           <a:blip r:embed="rId2">
             <a:extLst>
               <a:ext uri="{28A0092B-C50C-407E-A947-70E740481C1C}">
-                <a14:useLocalDpi xmlns:a14="http://schemas.microsoft.com/office/drawing/2010/main" val="0"/>
+                <a14:useLocalDpi xmlns:a14="http://schemas.microsoft.com/office/drawing/2010/main" xmlns="" val="0"/>
               </a:ext>
             </a:extLst>
           </a:blip>
@@ -3694,7 +3695,7 @@
     </p:spTree>
     <p:extLst>
       <p:ext uri="{BB962C8B-B14F-4D97-AF65-F5344CB8AC3E}">
-        <p14:creationId xmlns:p14="http://schemas.microsoft.com/office/powerpoint/2010/main" val="3228649154"/>
+        <p14:creationId xmlns:p14="http://schemas.microsoft.com/office/powerpoint/2010/main" xmlns="" val="3228649154"/>
       </p:ext>
     </p:extLst>
   </p:cSld>
@@ -3761,7 +3762,7 @@
           <a:blip r:embed="rId2">
             <a:extLst>
               <a:ext uri="{28A0092B-C50C-407E-A947-70E740481C1C}">
-                <a14:useLocalDpi xmlns:a14="http://schemas.microsoft.com/office/drawing/2010/main" val="0"/>
+                <a14:useLocalDpi xmlns:a14="http://schemas.microsoft.com/office/drawing/2010/main" xmlns="" val="0"/>
               </a:ext>
             </a:extLst>
           </a:blip>
@@ -3779,7 +3780,7 @@
     </p:spTree>
     <p:extLst>
       <p:ext uri="{BB962C8B-B14F-4D97-AF65-F5344CB8AC3E}">
-        <p14:creationId xmlns:p14="http://schemas.microsoft.com/office/powerpoint/2010/main" val="1375080871"/>
+        <p14:creationId xmlns:p14="http://schemas.microsoft.com/office/powerpoint/2010/main" xmlns="" val="1375080871"/>
       </p:ext>
     </p:extLst>
   </p:cSld>
@@ -3793,6 +3794,102 @@
       </p:par>
     </p:tnLst>
   </p:timing>
+</p:sld>
+</file>
+
+<file path=ppt/slides/slide14.xml><?xml version="1.0" encoding="utf-8"?>
+<p:sld xmlns:a="http://schemas.openxmlformats.org/drawingml/2006/main" xmlns:r="http://schemas.openxmlformats.org/officeDocument/2006/relationships" xmlns:p="http://schemas.openxmlformats.org/presentationml/2006/main">
+  <p:cSld>
+    <p:spTree>
+      <p:nvGrpSpPr>
+        <p:cNvPr id="1" name=""/>
+        <p:cNvGrpSpPr/>
+        <p:nvPr/>
+      </p:nvGrpSpPr>
+      <p:grpSpPr>
+        <a:xfrm>
+          <a:off x="0" y="0"/>
+          <a:ext cx="0" cy="0"/>
+          <a:chOff x="0" y="0"/>
+          <a:chExt cx="0" cy="0"/>
+        </a:xfrm>
+      </p:grpSpPr>
+      <p:sp>
+        <p:nvSpPr>
+          <p:cNvPr id="2" name="عنوان 1"/>
+          <p:cNvSpPr>
+            <a:spLocks noGrp="1"/>
+          </p:cNvSpPr>
+          <p:nvPr>
+            <p:ph type="title"/>
+          </p:nvPr>
+        </p:nvSpPr>
+        <p:spPr/>
+        <p:txBody>
+          <a:bodyPr/>
+          <a:lstStyle/>
+          <a:p>
+            <a:r>
+              <a:rPr lang="en-US" dirty="0" smtClean="0"/>
+              <a:t>Encrypted Adapter</a:t>
+            </a:r>
+            <a:br>
+              <a:rPr lang="en-US" dirty="0" smtClean="0"/>
+            </a:br>
+            <a:endParaRPr lang="en-US" dirty="0"/>
+          </a:p>
+        </p:txBody>
+      </p:sp>
+      <p:sp>
+        <p:nvSpPr>
+          <p:cNvPr id="3" name="عنصر نائب للمحتوى 2"/>
+          <p:cNvSpPr>
+            <a:spLocks noGrp="1"/>
+          </p:cNvSpPr>
+          <p:nvPr>
+            <p:ph idx="1"/>
+          </p:nvPr>
+        </p:nvSpPr>
+        <p:spPr/>
+        <p:txBody>
+          <a:bodyPr/>
+          <a:lstStyle/>
+          <a:p>
+            <a:endParaRPr lang="en-US"/>
+          </a:p>
+        </p:txBody>
+      </p:sp>
+      <p:pic>
+        <p:nvPicPr>
+          <p:cNvPr id="1026" name="Picture 2" descr="C:\Users\AL-Aseel\Downloads\317893492_681152546989898_3509280715413600925_n.png"/>
+          <p:cNvPicPr>
+            <a:picLocks noChangeAspect="1" noChangeArrowheads="1"/>
+          </p:cNvPicPr>
+          <p:nvPr/>
+        </p:nvPicPr>
+        <p:blipFill>
+          <a:blip r:embed="rId2"/>
+          <a:srcRect/>
+          <a:stretch>
+            <a:fillRect/>
+          </a:stretch>
+        </p:blipFill>
+        <p:spPr bwMode="auto">
+          <a:xfrm>
+            <a:off x="3727938" y="717452"/>
+            <a:ext cx="7976381" cy="5373859"/>
+          </a:xfrm>
+          <a:prstGeom prst="rect">
+            <a:avLst/>
+          </a:prstGeom>
+          <a:noFill/>
+        </p:spPr>
+      </p:pic>
+    </p:spTree>
+  </p:cSld>
+  <p:clrMapOvr>
+    <a:masterClrMapping/>
+  </p:clrMapOvr>
 </p:sld>
 </file>
 
@@ -3924,7 +4021,7 @@
     </p:spTree>
     <p:extLst>
       <p:ext uri="{BB962C8B-B14F-4D97-AF65-F5344CB8AC3E}">
-        <p14:creationId xmlns:p14="http://schemas.microsoft.com/office/powerpoint/2010/main" val="298634706"/>
+        <p14:creationId xmlns:p14="http://schemas.microsoft.com/office/powerpoint/2010/main" xmlns="" val="298634706"/>
       </p:ext>
     </p:extLst>
   </p:cSld>
@@ -4058,7 +4155,7 @@
     </p:spTree>
     <p:extLst>
       <p:ext uri="{BB962C8B-B14F-4D97-AF65-F5344CB8AC3E}">
-        <p14:creationId xmlns:p14="http://schemas.microsoft.com/office/powerpoint/2010/main" val="511220760"/>
+        <p14:creationId xmlns:p14="http://schemas.microsoft.com/office/powerpoint/2010/main" xmlns="" val="511220760"/>
       </p:ext>
     </p:extLst>
   </p:cSld>
@@ -4125,7 +4222,7 @@
           <a:blip r:embed="rId2">
             <a:extLst>
               <a:ext uri="{28A0092B-C50C-407E-A947-70E740481C1C}">
-                <a14:useLocalDpi xmlns:a14="http://schemas.microsoft.com/office/drawing/2010/main" val="0"/>
+                <a14:useLocalDpi xmlns:a14="http://schemas.microsoft.com/office/drawing/2010/main" xmlns="" val="0"/>
               </a:ext>
             </a:extLst>
           </a:blip>
@@ -4143,7 +4240,7 @@
     </p:spTree>
     <p:extLst>
       <p:ext uri="{BB962C8B-B14F-4D97-AF65-F5344CB8AC3E}">
-        <p14:creationId xmlns:p14="http://schemas.microsoft.com/office/powerpoint/2010/main" val="3057950495"/>
+        <p14:creationId xmlns:p14="http://schemas.microsoft.com/office/powerpoint/2010/main" xmlns="" val="3057950495"/>
       </p:ext>
     </p:extLst>
   </p:cSld>
@@ -4210,7 +4307,7 @@
           <a:blip r:embed="rId2">
             <a:extLst>
               <a:ext uri="{28A0092B-C50C-407E-A947-70E740481C1C}">
-                <a14:useLocalDpi xmlns:a14="http://schemas.microsoft.com/office/drawing/2010/main" val="0"/>
+                <a14:useLocalDpi xmlns:a14="http://schemas.microsoft.com/office/drawing/2010/main" xmlns="" val="0"/>
               </a:ext>
             </a:extLst>
           </a:blip>
@@ -4228,7 +4325,7 @@
     </p:spTree>
     <p:extLst>
       <p:ext uri="{BB962C8B-B14F-4D97-AF65-F5344CB8AC3E}">
-        <p14:creationId xmlns:p14="http://schemas.microsoft.com/office/powerpoint/2010/main" val="2991499499"/>
+        <p14:creationId xmlns:p14="http://schemas.microsoft.com/office/powerpoint/2010/main" xmlns="" val="2991499499"/>
       </p:ext>
     </p:extLst>
   </p:cSld>
@@ -4295,7 +4392,7 @@
           <a:blip r:embed="rId2">
             <a:extLst>
               <a:ext uri="{28A0092B-C50C-407E-A947-70E740481C1C}">
-                <a14:useLocalDpi xmlns:a14="http://schemas.microsoft.com/office/drawing/2010/main" val="0"/>
+                <a14:useLocalDpi xmlns:a14="http://schemas.microsoft.com/office/drawing/2010/main" xmlns="" val="0"/>
               </a:ext>
             </a:extLst>
           </a:blip>
@@ -4313,7 +4410,7 @@
     </p:spTree>
     <p:extLst>
       <p:ext uri="{BB962C8B-B14F-4D97-AF65-F5344CB8AC3E}">
-        <p14:creationId xmlns:p14="http://schemas.microsoft.com/office/powerpoint/2010/main" val="2610774386"/>
+        <p14:creationId xmlns:p14="http://schemas.microsoft.com/office/powerpoint/2010/main" xmlns="" val="2610774386"/>
       </p:ext>
     </p:extLst>
   </p:cSld>
@@ -4380,7 +4477,7 @@
           <a:blip r:embed="rId2">
             <a:extLst>
               <a:ext uri="{28A0092B-C50C-407E-A947-70E740481C1C}">
-                <a14:useLocalDpi xmlns:a14="http://schemas.microsoft.com/office/drawing/2010/main" val="0"/>
+                <a14:useLocalDpi xmlns:a14="http://schemas.microsoft.com/office/drawing/2010/main" xmlns="" val="0"/>
               </a:ext>
             </a:extLst>
           </a:blip>
@@ -4398,7 +4495,7 @@
     </p:spTree>
     <p:extLst>
       <p:ext uri="{BB962C8B-B14F-4D97-AF65-F5344CB8AC3E}">
-        <p14:creationId xmlns:p14="http://schemas.microsoft.com/office/powerpoint/2010/main" val="1089125729"/>
+        <p14:creationId xmlns:p14="http://schemas.microsoft.com/office/powerpoint/2010/main" xmlns="" val="1089125729"/>
       </p:ext>
     </p:extLst>
   </p:cSld>
@@ -4465,7 +4562,7 @@
           <a:blip r:embed="rId2">
             <a:extLst>
               <a:ext uri="{28A0092B-C50C-407E-A947-70E740481C1C}">
-                <a14:useLocalDpi xmlns:a14="http://schemas.microsoft.com/office/drawing/2010/main" val="0"/>
+                <a14:useLocalDpi xmlns:a14="http://schemas.microsoft.com/office/drawing/2010/main" xmlns="" val="0"/>
               </a:ext>
             </a:extLst>
           </a:blip>
@@ -4483,7 +4580,7 @@
     </p:spTree>
     <p:extLst>
       <p:ext uri="{BB962C8B-B14F-4D97-AF65-F5344CB8AC3E}">
-        <p14:creationId xmlns:p14="http://schemas.microsoft.com/office/powerpoint/2010/main" val="2502198130"/>
+        <p14:creationId xmlns:p14="http://schemas.microsoft.com/office/powerpoint/2010/main" xmlns="" val="2502198130"/>
       </p:ext>
     </p:extLst>
   </p:cSld>
@@ -4550,7 +4647,7 @@
           <a:blip r:embed="rId2">
             <a:extLst>
               <a:ext uri="{28A0092B-C50C-407E-A947-70E740481C1C}">
-                <a14:useLocalDpi xmlns:a14="http://schemas.microsoft.com/office/drawing/2010/main" val="0"/>
+                <a14:useLocalDpi xmlns:a14="http://schemas.microsoft.com/office/drawing/2010/main" xmlns="" val="0"/>
               </a:ext>
             </a:extLst>
           </a:blip>
@@ -4568,7 +4665,7 @@
     </p:spTree>
     <p:extLst>
       <p:ext uri="{BB962C8B-B14F-4D97-AF65-F5344CB8AC3E}">
-        <p14:creationId xmlns:p14="http://schemas.microsoft.com/office/powerpoint/2010/main" val="713004588"/>
+        <p14:creationId xmlns:p14="http://schemas.microsoft.com/office/powerpoint/2010/main" xmlns="" val="713004588"/>
       </p:ext>
     </p:extLst>
   </p:cSld>
@@ -4628,7 +4725,7 @@
     </a:clrScheme>
     <a:fontScheme name="Frame">
       <a:majorFont>
-        <a:latin typeface="Corbel" panose="020B0503020204020204"/>
+        <a:latin typeface="Corbel"/>
         <a:ea typeface=""/>
         <a:cs typeface=""/>
         <a:font script="Jpan" typeface="ＭＳ ゴシック"/>
@@ -4663,7 +4760,7 @@
         <a:font script="Geor" typeface="Sylfaen"/>
       </a:majorFont>
       <a:minorFont>
-        <a:latin typeface="Corbel" panose="020B0503020204020204"/>
+        <a:latin typeface="Corbel"/>
         <a:ea typeface=""/>
         <a:cs typeface=""/>
         <a:font script="Jpan" typeface="ＭＳ ゴシック"/>
@@ -4810,7 +4907,7 @@
   <a:extraClrSchemeLst/>
   <a:extLst>
     <a:ext uri="{05A4C25C-085E-4340-85A3-A5531E510DB2}">
-      <thm15:themeFamily xmlns:thm15="http://schemas.microsoft.com/office/thememl/2012/main" name="Frame" id="{F226E7A2-7162-461C-9490-D27D9DC04E43}" vid="{629A0216-3BBD-45C0-B63F-2683BEA18F60}"/>
+      <thm15:themeFamily xmlns:thm15="http://schemas.microsoft.com/office/thememl/2012/main" xmlns="" name="Frame" id="{F226E7A2-7162-461C-9490-D27D9DC04E43}" vid="{629A0216-3BBD-45C0-B63F-2683BEA18F60}"/>
     </a:ext>
   </a:extLst>
 </a:theme>
